--- a/Singleton.pptx
+++ b/Singleton.pptx
@@ -15,6 +15,7 @@
     <p:sldId id="263" r:id="rId9"/>
     <p:sldId id="264" r:id="rId10"/>
     <p:sldId id="265" r:id="rId11"/>
+    <p:sldId id="266" r:id="rId12"/>
   </p:sldIdLst>
   <p:sldSz cx="12192000" cy="6858000"/>
   <p:notesSz cx="6858000" cy="9144000"/>
@@ -3955,6 +3956,82 @@
           <a:bodyPr/>
           <a:lstStyle/>
           <a:p>
+            <a:r>
+              <a:rPr lang="en-US" dirty="0"/>
+              <a:t>Create three windows that share settings:</a:t>
+            </a:r>
+          </a:p>
+          <a:p>
+            <a:pPr lvl="1"/>
+            <a:r>
+              <a:rPr lang="en-US" dirty="0">
+                <a:solidFill>
+                  <a:schemeClr val="accent4"/>
+                </a:solidFill>
+              </a:rPr>
+              <a:t>Main Window</a:t>
+            </a:r>
+            <a:r>
+              <a:rPr lang="en-US" dirty="0"/>
+              <a:t> class</a:t>
+            </a:r>
+          </a:p>
+          <a:p>
+            <a:pPr lvl="2"/>
+            <a:r>
+              <a:rPr lang="en-US" dirty="0">
+                <a:solidFill>
+                  <a:schemeClr val="accent4"/>
+                </a:solidFill>
+              </a:rPr>
+              <a:t>Settings Window </a:t>
+            </a:r>
+            <a:r>
+              <a:rPr lang="en-US" dirty="0"/>
+              <a:t>class</a:t>
+            </a:r>
+          </a:p>
+          <a:p>
+            <a:pPr lvl="2"/>
+            <a:r>
+              <a:rPr lang="en-US" dirty="0">
+                <a:solidFill>
+                  <a:schemeClr val="accent4"/>
+                </a:solidFill>
+              </a:rPr>
+              <a:t>Browser Window </a:t>
+            </a:r>
+            <a:r>
+              <a:rPr lang="en-US" dirty="0"/>
+              <a:t>class</a:t>
+            </a:r>
+          </a:p>
+          <a:p>
+            <a:r>
+              <a:rPr lang="en-US" dirty="0"/>
+              <a:t>Use the same settings object across the windows</a:t>
+            </a:r>
+          </a:p>
+          <a:p>
+            <a:r>
+              <a:rPr lang="en-US" dirty="0"/>
+              <a:t>Do </a:t>
+            </a:r>
+            <a:r>
+              <a:rPr lang="en-US" dirty="0">
+                <a:solidFill>
+                  <a:schemeClr val="accent6"/>
+                </a:solidFill>
+              </a:rPr>
+              <a:t>not</a:t>
+            </a:r>
+            <a:r>
+              <a:rPr lang="en-US" dirty="0"/>
+              <a:t> play “hot potato”</a:t>
+            </a:r>
+          </a:p>
+          <a:p>
+            <a:pPr lvl="1"/>
             <a:endParaRPr lang="en-US" dirty="0"/>
           </a:p>
         </p:txBody>
@@ -3963,6 +4040,105 @@
     <p:extLst>
       <p:ext uri="{BB962C8B-B14F-4D97-AF65-F5344CB8AC3E}">
         <p14:creationId xmlns:p14="http://schemas.microsoft.com/office/powerpoint/2010/main" val="1708874180"/>
+      </p:ext>
+    </p:extLst>
+  </p:cSld>
+  <p:clrMapOvr>
+    <a:masterClrMapping/>
+  </p:clrMapOvr>
+</p:sld>
+</file>
+
+<file path=ppt/slides/slide11.xml><?xml version="1.0" encoding="utf-8"?>
+<p:sld xmlns:a="http://schemas.openxmlformats.org/drawingml/2006/main" xmlns:r="http://schemas.openxmlformats.org/officeDocument/2006/relationships" xmlns:p="http://schemas.openxmlformats.org/presentationml/2006/main">
+  <p:cSld>
+    <p:spTree>
+      <p:nvGrpSpPr>
+        <p:cNvPr id="1" name=""/>
+        <p:cNvGrpSpPr/>
+        <p:nvPr/>
+      </p:nvGrpSpPr>
+      <p:grpSpPr>
+        <a:xfrm>
+          <a:off x="0" y="0"/>
+          <a:ext cx="0" cy="0"/>
+          <a:chOff x="0" y="0"/>
+          <a:chExt cx="0" cy="0"/>
+        </a:xfrm>
+      </p:grpSpPr>
+      <p:sp>
+        <p:nvSpPr>
+          <p:cNvPr id="2" name="Title 1">
+            <a:extLst>
+              <a:ext uri="{FF2B5EF4-FFF2-40B4-BE49-F238E27FC236}">
+                <a16:creationId xmlns:a16="http://schemas.microsoft.com/office/drawing/2014/main" id="{90E8911A-47E7-3302-D2DC-F77796713EEA}"/>
+              </a:ext>
+            </a:extLst>
+          </p:cNvPr>
+          <p:cNvSpPr>
+            <a:spLocks noGrp="1"/>
+          </p:cNvSpPr>
+          <p:nvPr>
+            <p:ph type="title"/>
+          </p:nvPr>
+        </p:nvSpPr>
+        <p:spPr/>
+        <p:txBody>
+          <a:bodyPr/>
+          <a:lstStyle/>
+          <a:p>
+            <a:r>
+              <a:rPr lang="en-US" dirty="0">
+                <a:solidFill>
+                  <a:schemeClr val="accent2"/>
+                </a:solidFill>
+              </a:rPr>
+              <a:t>Good</a:t>
+            </a:r>
+            <a:r>
+              <a:rPr lang="en-US" dirty="0"/>
+              <a:t> and </a:t>
+            </a:r>
+            <a:r>
+              <a:rPr lang="en-US" dirty="0">
+                <a:solidFill>
+                  <a:schemeClr val="accent6"/>
+                </a:solidFill>
+              </a:rPr>
+              <a:t>Bad</a:t>
+            </a:r>
+          </a:p>
+        </p:txBody>
+      </p:sp>
+      <p:sp>
+        <p:nvSpPr>
+          <p:cNvPr id="3" name="Content Placeholder 2">
+            <a:extLst>
+              <a:ext uri="{FF2B5EF4-FFF2-40B4-BE49-F238E27FC236}">
+                <a16:creationId xmlns:a16="http://schemas.microsoft.com/office/drawing/2014/main" id="{0DCCFE43-693E-7946-56DB-2A04B608469C}"/>
+              </a:ext>
+            </a:extLst>
+          </p:cNvPr>
+          <p:cNvSpPr>
+            <a:spLocks noGrp="1"/>
+          </p:cNvSpPr>
+          <p:nvPr>
+            <p:ph idx="1"/>
+          </p:nvPr>
+        </p:nvSpPr>
+        <p:spPr/>
+        <p:txBody>
+          <a:bodyPr/>
+          <a:lstStyle/>
+          <a:p>
+            <a:endParaRPr lang="en-US" dirty="0"/>
+          </a:p>
+        </p:txBody>
+      </p:sp>
+    </p:spTree>
+    <p:extLst>
+      <p:ext uri="{BB962C8B-B14F-4D97-AF65-F5344CB8AC3E}">
+        <p14:creationId xmlns:p14="http://schemas.microsoft.com/office/powerpoint/2010/main" val="3595410198"/>
       </p:ext>
     </p:extLst>
   </p:cSld>

--- a/Singleton.pptx
+++ b/Singleton.pptx
@@ -16,6 +16,7 @@
     <p:sldId id="264" r:id="rId10"/>
     <p:sldId id="265" r:id="rId11"/>
     <p:sldId id="266" r:id="rId12"/>
+    <p:sldId id="267" r:id="rId13"/>
   </p:sldIdLst>
   <p:sldSz cx="12192000" cy="6858000"/>
   <p:notesSz cx="6858000" cy="9144000"/>
@@ -114,6 +115,11 @@
       </a:defRPr>
     </a:lvl9pPr>
   </p:defaultTextStyle>
+  <p:extLst>
+    <p:ext uri="{EFAFB233-063F-42B5-8137-9DF3F51BA10A}">
+      <p15:sldGuideLst xmlns:p15="http://schemas.microsoft.com/office/powerpoint/2012/main"/>
+    </p:ext>
+  </p:extLst>
 </p:presentation>
 </file>
 
@@ -4131,7 +4137,83 @@
           <a:bodyPr/>
           <a:lstStyle/>
           <a:p>
-            <a:endParaRPr lang="en-US" dirty="0"/>
+            <a:pPr>
+              <a:buClr>
+                <a:schemeClr val="accent2"/>
+              </a:buClr>
+            </a:pPr>
+            <a:r>
+              <a:rPr lang="en-US" dirty="0"/>
+              <a:t>Ensure single instance</a:t>
+            </a:r>
+          </a:p>
+          <a:p>
+            <a:pPr>
+              <a:buClr>
+                <a:schemeClr val="accent2"/>
+              </a:buClr>
+            </a:pPr>
+            <a:r>
+              <a:rPr lang="en-US" dirty="0"/>
+              <a:t>Accessible globally</a:t>
+            </a:r>
+          </a:p>
+          <a:p>
+            <a:pPr>
+              <a:buClr>
+                <a:schemeClr val="accent2"/>
+              </a:buClr>
+            </a:pPr>
+            <a:r>
+              <a:rPr lang="en-US" dirty="0"/>
+              <a:t>Initialized only when needed</a:t>
+            </a:r>
+          </a:p>
+          <a:p>
+            <a:endParaRPr lang="en-US" dirty="0">
+              <a:solidFill>
+                <a:srgbClr val="FF0000"/>
+              </a:solidFill>
+            </a:endParaRPr>
+          </a:p>
+          <a:p>
+            <a:pPr>
+              <a:buClr>
+                <a:schemeClr val="accent6"/>
+              </a:buClr>
+              <a:buFont typeface="System Font Regular"/>
+              <a:buChar char="-"/>
+            </a:pPr>
+            <a:r>
+              <a:rPr lang="en-US" dirty="0"/>
+              <a:t>Not thread safe</a:t>
+            </a:r>
+          </a:p>
+          <a:p>
+            <a:pPr>
+              <a:buClr>
+                <a:schemeClr val="accent6"/>
+              </a:buClr>
+              <a:buFont typeface="System Font Regular"/>
+              <a:buChar char="-"/>
+            </a:pPr>
+            <a:r>
+              <a:rPr lang="en-US" dirty="0"/>
+              <a:t>Difficult to unit test</a:t>
+            </a:r>
+          </a:p>
+          <a:p>
+            <a:pPr>
+              <a:buClr>
+                <a:schemeClr val="accent6"/>
+              </a:buClr>
+              <a:buFont typeface="System Font Regular"/>
+              <a:buChar char="-"/>
+            </a:pPr>
+            <a:r>
+              <a:rPr lang="en-US" dirty="0"/>
+              <a:t>Crazy UML</a:t>
+            </a:r>
           </a:p>
         </p:txBody>
       </p:sp>
@@ -4139,6 +4221,206 @@
     <p:extLst>
       <p:ext uri="{BB962C8B-B14F-4D97-AF65-F5344CB8AC3E}">
         <p14:creationId xmlns:p14="http://schemas.microsoft.com/office/powerpoint/2010/main" val="3595410198"/>
+      </p:ext>
+    </p:extLst>
+  </p:cSld>
+  <p:clrMapOvr>
+    <a:masterClrMapping/>
+  </p:clrMapOvr>
+</p:sld>
+</file>
+
+<file path=ppt/slides/slide12.xml><?xml version="1.0" encoding="utf-8"?>
+<p:sld xmlns:a="http://schemas.openxmlformats.org/drawingml/2006/main" xmlns:r="http://schemas.openxmlformats.org/officeDocument/2006/relationships" xmlns:p="http://schemas.openxmlformats.org/presentationml/2006/main">
+  <p:cSld>
+    <p:spTree>
+      <p:nvGrpSpPr>
+        <p:cNvPr id="1" name=""/>
+        <p:cNvGrpSpPr/>
+        <p:nvPr/>
+      </p:nvGrpSpPr>
+      <p:grpSpPr>
+        <a:xfrm>
+          <a:off x="0" y="0"/>
+          <a:ext cx="0" cy="0"/>
+          <a:chOff x="0" y="0"/>
+          <a:chExt cx="0" cy="0"/>
+        </a:xfrm>
+      </p:grpSpPr>
+      <p:sp>
+        <p:nvSpPr>
+          <p:cNvPr id="2" name="Title 1">
+            <a:extLst>
+              <a:ext uri="{FF2B5EF4-FFF2-40B4-BE49-F238E27FC236}">
+                <a16:creationId xmlns:a16="http://schemas.microsoft.com/office/drawing/2014/main" id="{364B4E88-B62D-4A56-981B-E7916435ABF4}"/>
+              </a:ext>
+            </a:extLst>
+          </p:cNvPr>
+          <p:cNvSpPr>
+            <a:spLocks noGrp="1"/>
+          </p:cNvSpPr>
+          <p:nvPr>
+            <p:ph type="ctrTitle"/>
+          </p:nvPr>
+        </p:nvSpPr>
+        <p:spPr>
+          <a:xfrm>
+            <a:off x="1524000" y="1544824"/>
+            <a:ext cx="9144000" cy="1192726"/>
+          </a:xfrm>
+        </p:spPr>
+        <p:txBody>
+          <a:bodyPr/>
+          <a:lstStyle/>
+          <a:p>
+            <a:r>
+              <a:rPr lang="en-US" dirty="0">
+                <a:latin typeface="Menlo" panose="020B0609030804020204" pitchFamily="49" charset="0"/>
+                <a:ea typeface="Menlo" panose="020B0609030804020204" pitchFamily="49" charset="0"/>
+                <a:cs typeface="Menlo" panose="020B0609030804020204" pitchFamily="49" charset="0"/>
+              </a:rPr>
+              <a:t>Singleton Design</a:t>
+            </a:r>
+          </a:p>
+        </p:txBody>
+      </p:sp>
+      <p:sp>
+        <p:nvSpPr>
+          <p:cNvPr id="3" name="Subtitle 2">
+            <a:extLst>
+              <a:ext uri="{FF2B5EF4-FFF2-40B4-BE49-F238E27FC236}">
+                <a16:creationId xmlns:a16="http://schemas.microsoft.com/office/drawing/2014/main" id="{0E0412CE-8C0C-A7C0-7376-B4863670C435}"/>
+              </a:ext>
+            </a:extLst>
+          </p:cNvPr>
+          <p:cNvSpPr>
+            <a:spLocks noGrp="1"/>
+          </p:cNvSpPr>
+          <p:nvPr>
+            <p:ph type="subTitle" idx="1"/>
+          </p:nvPr>
+        </p:nvSpPr>
+        <p:spPr/>
+        <p:txBody>
+          <a:bodyPr/>
+          <a:lstStyle/>
+          <a:p>
+            <a:pPr algn="l"/>
+            <a:r>
+              <a:rPr lang="en-US" dirty="0">
+                <a:solidFill>
+                  <a:schemeClr val="accent1"/>
+                </a:solidFill>
+                <a:latin typeface="Menlo" panose="020B0609030804020204" pitchFamily="49" charset="0"/>
+                <a:ea typeface="Menlo" panose="020B0609030804020204" pitchFamily="49" charset="0"/>
+                <a:cs typeface="Menlo" panose="020B0609030804020204" pitchFamily="49" charset="0"/>
+              </a:rPr>
+              <a:t>Ben Roberts</a:t>
+            </a:r>
+          </a:p>
+        </p:txBody>
+      </p:sp>
+      <p:cxnSp>
+        <p:nvCxnSpPr>
+          <p:cNvPr id="19" name="Elbow Connector 18">
+            <a:extLst>
+              <a:ext uri="{FF2B5EF4-FFF2-40B4-BE49-F238E27FC236}">
+                <a16:creationId xmlns:a16="http://schemas.microsoft.com/office/drawing/2014/main" id="{71D9AE8C-2E37-F52B-4114-26EC2E7E3D44}"/>
+              </a:ext>
+            </a:extLst>
+          </p:cNvPr>
+          <p:cNvCxnSpPr>
+            <a:cxnSpLocks/>
+            <a:stCxn id="2" idx="3"/>
+          </p:cNvCxnSpPr>
+          <p:nvPr/>
+        </p:nvCxnSpPr>
+        <p:spPr>
+          <a:xfrm>
+            <a:off x="10668000" y="2141187"/>
+            <a:ext cx="1031310" cy="1610358"/>
+          </a:xfrm>
+          <a:prstGeom prst="bentConnector2">
+            <a:avLst/>
+          </a:prstGeom>
+          <a:ln w="50800">
+            <a:solidFill>
+              <a:schemeClr val="bg1">
+                <a:lumMod val="75000"/>
+                <a:lumOff val="25000"/>
+              </a:schemeClr>
+            </a:solidFill>
+          </a:ln>
+        </p:spPr>
+        <p:style>
+          <a:lnRef idx="1">
+            <a:schemeClr val="accent1"/>
+          </a:lnRef>
+          <a:fillRef idx="0">
+            <a:schemeClr val="accent1"/>
+          </a:fillRef>
+          <a:effectRef idx="0">
+            <a:schemeClr val="accent1"/>
+          </a:effectRef>
+          <a:fontRef idx="minor">
+            <a:schemeClr val="tx1"/>
+          </a:fontRef>
+        </p:style>
+      </p:cxnSp>
+      <p:cxnSp>
+        <p:nvCxnSpPr>
+          <p:cNvPr id="20" name="Elbow Connector 19">
+            <a:extLst>
+              <a:ext uri="{FF2B5EF4-FFF2-40B4-BE49-F238E27FC236}">
+                <a16:creationId xmlns:a16="http://schemas.microsoft.com/office/drawing/2014/main" id="{ECBC03EC-D7C4-4F75-9F57-D85FAB0C0836}"/>
+              </a:ext>
+            </a:extLst>
+          </p:cNvPr>
+          <p:cNvCxnSpPr>
+            <a:cxnSpLocks/>
+            <a:stCxn id="3" idx="3"/>
+          </p:cNvCxnSpPr>
+          <p:nvPr/>
+        </p:nvCxnSpPr>
+        <p:spPr>
+          <a:xfrm flipV="1">
+            <a:off x="10668000" y="3688915"/>
+            <a:ext cx="1031310" cy="741004"/>
+          </a:xfrm>
+          <a:prstGeom prst="bentConnector3">
+            <a:avLst>
+              <a:gd name="adj1" fmla="val 100097"/>
+            </a:avLst>
+          </a:prstGeom>
+          <a:ln w="50800">
+            <a:solidFill>
+              <a:schemeClr val="bg1">
+                <a:lumMod val="75000"/>
+                <a:lumOff val="25000"/>
+              </a:schemeClr>
+            </a:solidFill>
+            <a:headEnd type="triangle" w="lg" len="lg"/>
+          </a:ln>
+        </p:spPr>
+        <p:style>
+          <a:lnRef idx="1">
+            <a:schemeClr val="accent1"/>
+          </a:lnRef>
+          <a:fillRef idx="0">
+            <a:schemeClr val="accent1"/>
+          </a:fillRef>
+          <a:effectRef idx="0">
+            <a:schemeClr val="accent1"/>
+          </a:effectRef>
+          <a:fontRef idx="minor">
+            <a:schemeClr val="tx1"/>
+          </a:fontRef>
+        </p:style>
+      </p:cxnSp>
+    </p:spTree>
+    <p:extLst>
+      <p:ext uri="{BB962C8B-B14F-4D97-AF65-F5344CB8AC3E}">
+        <p14:creationId xmlns:p14="http://schemas.microsoft.com/office/powerpoint/2010/main" val="658026610"/>
       </p:ext>
     </p:extLst>
   </p:cSld>
